--- a/Useless Box/Praesentation/Praesentation_Gruppe5.pptx
+++ b/Useless Box/Praesentation/Praesentation_Gruppe5.pptx
@@ -237,7 +237,7 @@
           <a:p>
             <a:fld id="{CF93AEB5-C303-4762-90A0-AF697EB357C4}" type="datetimeFigureOut">
               <a:rPr lang="de-DE" smtClean="0"/>
-              <a:t>26.06.25</a:t>
+              <a:t>26.06.2025</a:t>
             </a:fld>
             <a:endParaRPr lang="de-DE"/>
           </a:p>
